--- a/2. Stats Essentials/5.Lending Club Case Study/Prabhat_Mishra.pptx
+++ b/2. Stats Essentials/5.Lending Club Case Study/Prabhat_Mishra.pptx
@@ -5,7 +5,7 @@
     <p:sldMasterId id="2147483660" r:id="rId1"/>
   </p:sldMasterIdLst>
   <p:notesMasterIdLst>
-    <p:notesMasterId r:id="rId10"/>
+    <p:notesMasterId r:id="rId11"/>
   </p:notesMasterIdLst>
   <p:sldIdLst>
     <p:sldId id="256" r:id="rId2"/>
@@ -15,7 +15,8 @@
     <p:sldId id="267" r:id="rId6"/>
     <p:sldId id="269" r:id="rId7"/>
     <p:sldId id="270" r:id="rId8"/>
-    <p:sldId id="265" r:id="rId9"/>
+    <p:sldId id="271" r:id="rId9"/>
+    <p:sldId id="265" r:id="rId10"/>
   </p:sldIdLst>
   <p:sldSz cx="12192000" cy="6858000"/>
   <p:notesSz cx="6858000" cy="9144000"/>
@@ -207,7 +208,7 @@
           <a:p>
             <a:fld id="{2E309023-AF2B-4043-B228-F191CADC9BB1}" type="datetimeFigureOut">
               <a:rPr lang="en-IN" smtClean="0"/>
-              <a:t>18/04/21</a:t>
+              <a:t>20/04/21</a:t>
             </a:fld>
             <a:endParaRPr lang="en-IN"/>
           </a:p>
@@ -606,7 +607,7 @@
           <a:p>
             <a:fld id="{58036A15-E0BA-4B4F-8784-D745B928A6FB}" type="datetime1">
               <a:rPr lang="en-IN" smtClean="0"/>
-              <a:t>18/04/21</a:t>
+              <a:t>20/04/21</a:t>
             </a:fld>
             <a:endParaRPr lang="en-IN"/>
           </a:p>
@@ -776,7 +777,7 @@
           <a:p>
             <a:fld id="{40AFA44B-32C9-F643-A064-65C5C8BC0178}" type="datetime1">
               <a:rPr lang="en-IN" smtClean="0"/>
-              <a:t>18/04/21</a:t>
+              <a:t>20/04/21</a:t>
             </a:fld>
             <a:endParaRPr lang="en-IN"/>
           </a:p>
@@ -956,7 +957,7 @@
           <a:p>
             <a:fld id="{4AC5852E-5996-A041-A568-97DBA53F28A0}" type="datetime1">
               <a:rPr lang="en-IN" smtClean="0"/>
-              <a:t>18/04/21</a:t>
+              <a:t>20/04/21</a:t>
             </a:fld>
             <a:endParaRPr lang="en-IN"/>
           </a:p>
@@ -1138,7 +1139,7 @@
           <a:p>
             <a:fld id="{0D03E6E5-1042-5E4B-834E-6A449ED7BE87}" type="datetime1">
               <a:rPr lang="en-IN" smtClean="0"/>
-              <a:t>18/04/21</a:t>
+              <a:t>20/04/21</a:t>
             </a:fld>
             <a:endParaRPr lang="en-IN" dirty="0"/>
           </a:p>
@@ -1384,7 +1385,7 @@
           <a:p>
             <a:fld id="{25545A5E-DB65-714A-BED1-3291967B57EF}" type="datetime1">
               <a:rPr lang="en-IN" smtClean="0"/>
-              <a:t>18/04/21</a:t>
+              <a:t>20/04/21</a:t>
             </a:fld>
             <a:endParaRPr lang="en-IN"/>
           </a:p>
@@ -1616,7 +1617,7 @@
           <a:p>
             <a:fld id="{0AB51B26-E3DA-EC41-BA30-390C9B65AD94}" type="datetime1">
               <a:rPr lang="en-IN" smtClean="0"/>
-              <a:t>18/04/21</a:t>
+              <a:t>20/04/21</a:t>
             </a:fld>
             <a:endParaRPr lang="en-IN"/>
           </a:p>
@@ -1983,7 +1984,7 @@
           <a:p>
             <a:fld id="{3FB60883-9878-324D-8FB0-E3C26B4CD39A}" type="datetime1">
               <a:rPr lang="en-IN" smtClean="0"/>
-              <a:t>18/04/21</a:t>
+              <a:t>20/04/21</a:t>
             </a:fld>
             <a:endParaRPr lang="en-IN"/>
           </a:p>
@@ -2101,7 +2102,7 @@
           <a:p>
             <a:fld id="{B9864378-CB39-8D43-BD42-1378A61F91D2}" type="datetime1">
               <a:rPr lang="en-IN" smtClean="0"/>
-              <a:t>18/04/21</a:t>
+              <a:t>20/04/21</a:t>
             </a:fld>
             <a:endParaRPr lang="en-IN"/>
           </a:p>
@@ -2196,7 +2197,7 @@
           <a:p>
             <a:fld id="{5F6C0E4A-51FD-9048-9595-B0D44E99F14B}" type="datetime1">
               <a:rPr lang="en-IN" smtClean="0"/>
-              <a:t>18/04/21</a:t>
+              <a:t>20/04/21</a:t>
             </a:fld>
             <a:endParaRPr lang="en-IN"/>
           </a:p>
@@ -2472,7 +2473,7 @@
           <a:p>
             <a:fld id="{24994CD1-1EE6-8B40-B0E2-053E00D8616E}" type="datetime1">
               <a:rPr lang="en-IN" smtClean="0"/>
-              <a:t>18/04/21</a:t>
+              <a:t>20/04/21</a:t>
             </a:fld>
             <a:endParaRPr lang="en-IN"/>
           </a:p>
@@ -2729,7 +2730,7 @@
           <a:p>
             <a:fld id="{58407BEC-E1ED-7B4F-A4AE-3781948C2B01}" type="datetime1">
               <a:rPr lang="en-IN" smtClean="0"/>
-              <a:t>18/04/21</a:t>
+              <a:t>20/04/21</a:t>
             </a:fld>
             <a:endParaRPr lang="en-IN"/>
           </a:p>
@@ -2940,7 +2941,7 @@
           <a:p>
             <a:fld id="{EFFCC267-BBBB-6D45-A450-D0FCE578B883}" type="datetime1">
               <a:rPr lang="en-IN" smtClean="0"/>
-              <a:t>18/04/21</a:t>
+              <a:t>20/04/21</a:t>
             </a:fld>
             <a:endParaRPr lang="en-IN" dirty="0"/>
           </a:p>
@@ -4976,41 +4977,12 @@
           </a:fontRef>
         </p:style>
       </p:cxnSp>
-      <p:sp>
-        <p:nvSpPr>
-          <p:cNvPr id="13" name="Slide Number Placeholder 12">
+      <p:pic>
+        <p:nvPicPr>
+          <p:cNvPr id="2" name="Picture 1">
             <a:extLst>
               <a:ext uri="{FF2B5EF4-FFF2-40B4-BE49-F238E27FC236}">
-                <a16:creationId xmlns:a16="http://schemas.microsoft.com/office/drawing/2014/main" id="{C5750567-2D27-C648-87A6-C0CF0267ABFC}"/>
-              </a:ext>
-            </a:extLst>
-          </p:cNvPr>
-          <p:cNvSpPr>
-            <a:spLocks noGrp="1"/>
-          </p:cNvSpPr>
-          <p:nvPr>
-            <p:ph type="sldNum" sz="quarter" idx="12"/>
-          </p:nvPr>
-        </p:nvSpPr>
-        <p:spPr/>
-        <p:txBody>
-          <a:bodyPr/>
-          <a:lstStyle/>
-          <a:p>
-            <a:r>
-              <a:rPr lang="en-IN"/>
-              <a:t>1</a:t>
-            </a:r>
-            <a:endParaRPr lang="en-IN" dirty="0"/>
-          </a:p>
-        </p:txBody>
-      </p:sp>
-      <p:pic>
-        <p:nvPicPr>
-          <p:cNvPr id="19" name="Picture 18">
-            <a:extLst>
-              <a:ext uri="{FF2B5EF4-FFF2-40B4-BE49-F238E27FC236}">
-                <a16:creationId xmlns:a16="http://schemas.microsoft.com/office/drawing/2014/main" id="{807C85DC-6C50-8748-8E1C-A1A7CF1E1B5E}"/>
+                <a16:creationId xmlns:a16="http://schemas.microsoft.com/office/drawing/2014/main" id="{5753D0A6-AEEF-7A4F-A714-F88784EC8841}"/>
               </a:ext>
             </a:extLst>
           </p:cNvPr>
@@ -5027,158 +4999,8 @@
         </p:blipFill>
         <p:spPr>
           <a:xfrm>
-            <a:off x="219456" y="1241689"/>
-            <a:ext cx="3073400" cy="2883075"/>
-          </a:xfrm>
-          <a:prstGeom prst="rect">
-            <a:avLst/>
-          </a:prstGeom>
-        </p:spPr>
-      </p:pic>
-      <p:pic>
-        <p:nvPicPr>
-          <p:cNvPr id="20" name="Picture 19">
-            <a:extLst>
-              <a:ext uri="{FF2B5EF4-FFF2-40B4-BE49-F238E27FC236}">
-                <a16:creationId xmlns:a16="http://schemas.microsoft.com/office/drawing/2014/main" id="{06178EB1-22C1-DF4F-9DA9-02367ED443D0}"/>
-              </a:ext>
-            </a:extLst>
-          </p:cNvPr>
-          <p:cNvPicPr>
-            <a:picLocks noChangeAspect="1"/>
-          </p:cNvPicPr>
-          <p:nvPr/>
-        </p:nvPicPr>
-        <p:blipFill>
-          <a:blip r:embed="rId3"/>
-          <a:stretch>
-            <a:fillRect/>
-          </a:stretch>
-        </p:blipFill>
-        <p:spPr>
-          <a:xfrm>
-            <a:off x="3292856" y="1241689"/>
-            <a:ext cx="3475992" cy="2883072"/>
-          </a:xfrm>
-          <a:prstGeom prst="rect">
-            <a:avLst/>
-          </a:prstGeom>
-        </p:spPr>
-      </p:pic>
-      <p:pic>
-        <p:nvPicPr>
-          <p:cNvPr id="23" name="Picture 22">
-            <a:extLst>
-              <a:ext uri="{FF2B5EF4-FFF2-40B4-BE49-F238E27FC236}">
-                <a16:creationId xmlns:a16="http://schemas.microsoft.com/office/drawing/2014/main" id="{D1AC064B-2FE9-BD4C-A464-932FDEBFEEE8}"/>
-              </a:ext>
-            </a:extLst>
-          </p:cNvPr>
-          <p:cNvPicPr>
-            <a:picLocks noChangeAspect="1"/>
-          </p:cNvPicPr>
-          <p:nvPr/>
-        </p:nvPicPr>
-        <p:blipFill>
-          <a:blip r:embed="rId4"/>
-          <a:stretch>
-            <a:fillRect/>
-          </a:stretch>
-        </p:blipFill>
-        <p:spPr>
-          <a:xfrm>
-            <a:off x="219456" y="4341132"/>
-            <a:ext cx="3385705" cy="2440148"/>
-          </a:xfrm>
-          <a:prstGeom prst="rect">
-            <a:avLst/>
-          </a:prstGeom>
-        </p:spPr>
-      </p:pic>
-      <p:pic>
-        <p:nvPicPr>
-          <p:cNvPr id="25" name="Picture 24">
-            <a:extLst>
-              <a:ext uri="{FF2B5EF4-FFF2-40B4-BE49-F238E27FC236}">
-                <a16:creationId xmlns:a16="http://schemas.microsoft.com/office/drawing/2014/main" id="{1C1C3A18-D6E3-D04D-B15E-9CA2994EEDEF}"/>
-              </a:ext>
-            </a:extLst>
-          </p:cNvPr>
-          <p:cNvPicPr>
-            <a:picLocks noChangeAspect="1"/>
-          </p:cNvPicPr>
-          <p:nvPr/>
-        </p:nvPicPr>
-        <p:blipFill>
-          <a:blip r:embed="rId5"/>
-          <a:stretch>
-            <a:fillRect/>
-          </a:stretch>
-        </p:blipFill>
-        <p:spPr>
-          <a:xfrm>
-            <a:off x="6716194" y="4371828"/>
-            <a:ext cx="4208566" cy="2378755"/>
-          </a:xfrm>
-          <a:prstGeom prst="rect">
-            <a:avLst/>
-          </a:prstGeom>
-        </p:spPr>
-      </p:pic>
-      <p:pic>
-        <p:nvPicPr>
-          <p:cNvPr id="26" name="Picture 25">
-            <a:extLst>
-              <a:ext uri="{FF2B5EF4-FFF2-40B4-BE49-F238E27FC236}">
-                <a16:creationId xmlns:a16="http://schemas.microsoft.com/office/drawing/2014/main" id="{F876975A-8F2B-3344-BE8A-D8842A69214A}"/>
-              </a:ext>
-            </a:extLst>
-          </p:cNvPr>
-          <p:cNvPicPr>
-            <a:picLocks noChangeAspect="1"/>
-          </p:cNvPicPr>
-          <p:nvPr/>
-        </p:nvPicPr>
-        <p:blipFill>
-          <a:blip r:embed="rId6"/>
-          <a:stretch>
-            <a:fillRect/>
-          </a:stretch>
-        </p:blipFill>
-        <p:spPr>
-          <a:xfrm>
-            <a:off x="6942364" y="1341365"/>
-            <a:ext cx="5215914" cy="2783380"/>
-          </a:xfrm>
-          <a:prstGeom prst="rect">
-            <a:avLst/>
-          </a:prstGeom>
-        </p:spPr>
-      </p:pic>
-      <p:pic>
-        <p:nvPicPr>
-          <p:cNvPr id="27" name="Picture 26">
-            <a:extLst>
-              <a:ext uri="{FF2B5EF4-FFF2-40B4-BE49-F238E27FC236}">
-                <a16:creationId xmlns:a16="http://schemas.microsoft.com/office/drawing/2014/main" id="{03F6E0FD-07CE-7943-BC94-81E2953EBA27}"/>
-              </a:ext>
-            </a:extLst>
-          </p:cNvPr>
-          <p:cNvPicPr>
-            <a:picLocks noChangeAspect="1"/>
-          </p:cNvPicPr>
-          <p:nvPr/>
-        </p:nvPicPr>
-        <p:blipFill>
-          <a:blip r:embed="rId7"/>
-          <a:stretch>
-            <a:fillRect/>
-          </a:stretch>
-        </p:blipFill>
-        <p:spPr>
-          <a:xfrm>
-            <a:off x="3581401" y="4182018"/>
-            <a:ext cx="3227656" cy="2539457"/>
+            <a:off x="870860" y="1241689"/>
+            <a:ext cx="9965477" cy="5313487"/>
           </a:xfrm>
           <a:prstGeom prst="rect">
             <a:avLst/>
@@ -5528,6 +5350,335 @@
 </file>
 
 <file path=ppt/slides/slide8.xml><?xml version="1.0" encoding="utf-8"?>
+<p:sld xmlns:a="http://schemas.openxmlformats.org/drawingml/2006/main" xmlns:r="http://schemas.openxmlformats.org/officeDocument/2006/relationships" xmlns:p="http://schemas.openxmlformats.org/presentationml/2006/main">
+  <p:cSld>
+    <p:spTree>
+      <p:nvGrpSpPr>
+        <p:cNvPr id="1" name=""/>
+        <p:cNvGrpSpPr/>
+        <p:nvPr/>
+      </p:nvGrpSpPr>
+      <p:grpSpPr>
+        <a:xfrm>
+          <a:off x="0" y="0"/>
+          <a:ext cx="0" cy="0"/>
+          <a:chOff x="0" y="0"/>
+          <a:chExt cx="0" cy="0"/>
+        </a:xfrm>
+      </p:grpSpPr>
+      <p:sp>
+        <p:nvSpPr>
+          <p:cNvPr id="9" name="Title 1">
+            <a:extLst>
+              <a:ext uri="{FF2B5EF4-FFF2-40B4-BE49-F238E27FC236}">
+                <a16:creationId xmlns:a16="http://schemas.microsoft.com/office/drawing/2014/main" id="{75EB9147-0C04-4947-B530-143D0BE64E13}"/>
+              </a:ext>
+            </a:extLst>
+          </p:cNvPr>
+          <p:cNvSpPr txBox="1">
+            <a:spLocks/>
+          </p:cNvSpPr>
+          <p:nvPr/>
+        </p:nvSpPr>
+        <p:spPr>
+          <a:xfrm>
+            <a:off x="1355663" y="76720"/>
+            <a:ext cx="6470175" cy="1164969"/>
+          </a:xfrm>
+          <a:prstGeom prst="rect">
+            <a:avLst/>
+          </a:prstGeom>
+        </p:spPr>
+        <p:txBody>
+          <a:bodyPr vert="horz" lIns="91440" tIns="45720" rIns="91440" bIns="45720" rtlCol="0" anchor="ctr">
+            <a:normAutofit/>
+          </a:bodyPr>
+          <a:lstStyle>
+            <a:lvl1pPr algn="l" defTabSz="914400" rtl="0" eaLnBrk="1" latinLnBrk="0" hangingPunct="1">
+              <a:lnSpc>
+                <a:spcPct val="90000"/>
+              </a:lnSpc>
+              <a:spcBef>
+                <a:spcPct val="0"/>
+              </a:spcBef>
+              <a:buNone/>
+              <a:defRPr sz="4000" kern="1200">
+                <a:solidFill>
+                  <a:schemeClr val="tx1"/>
+                </a:solidFill>
+                <a:latin typeface="Times New Roman" panose="02020603050405020304" pitchFamily="18" charset="0"/>
+                <a:ea typeface="+mj-ea"/>
+                <a:cs typeface="Times New Roman" panose="02020603050405020304" pitchFamily="18" charset="0"/>
+              </a:defRPr>
+            </a:lvl1pPr>
+          </a:lstStyle>
+          <a:p>
+            <a:r>
+              <a:rPr lang="en-IN" sz="2400" b="1" dirty="0"/>
+              <a:t>Driving Factors Behind Loan Default</a:t>
+            </a:r>
+          </a:p>
+        </p:txBody>
+      </p:sp>
+      <p:cxnSp>
+        <p:nvCxnSpPr>
+          <p:cNvPr id="10" name="Straight Connector 9">
+            <a:extLst>
+              <a:ext uri="{FF2B5EF4-FFF2-40B4-BE49-F238E27FC236}">
+                <a16:creationId xmlns:a16="http://schemas.microsoft.com/office/drawing/2014/main" id="{309FD068-16C3-2841-B819-D1B3DB5D8A7F}"/>
+              </a:ext>
+            </a:extLst>
+          </p:cNvPr>
+          <p:cNvCxnSpPr/>
+          <p:nvPr/>
+        </p:nvCxnSpPr>
+        <p:spPr>
+          <a:xfrm>
+            <a:off x="219456" y="1086882"/>
+            <a:ext cx="11520000" cy="0"/>
+          </a:xfrm>
+          <a:prstGeom prst="line">
+            <a:avLst/>
+          </a:prstGeom>
+        </p:spPr>
+        <p:style>
+          <a:lnRef idx="1">
+            <a:schemeClr val="accent1"/>
+          </a:lnRef>
+          <a:fillRef idx="0">
+            <a:schemeClr val="accent1"/>
+          </a:fillRef>
+          <a:effectRef idx="0">
+            <a:schemeClr val="accent1"/>
+          </a:effectRef>
+          <a:fontRef idx="minor">
+            <a:schemeClr val="tx1"/>
+          </a:fontRef>
+        </p:style>
+      </p:cxnSp>
+      <p:sp>
+        <p:nvSpPr>
+          <p:cNvPr id="13" name="Slide Number Placeholder 12">
+            <a:extLst>
+              <a:ext uri="{FF2B5EF4-FFF2-40B4-BE49-F238E27FC236}">
+                <a16:creationId xmlns:a16="http://schemas.microsoft.com/office/drawing/2014/main" id="{C5750567-2D27-C648-87A6-C0CF0267ABFC}"/>
+              </a:ext>
+            </a:extLst>
+          </p:cNvPr>
+          <p:cNvSpPr>
+            <a:spLocks noGrp="1"/>
+          </p:cNvSpPr>
+          <p:nvPr>
+            <p:ph type="sldNum" sz="quarter" idx="12"/>
+          </p:nvPr>
+        </p:nvSpPr>
+        <p:spPr/>
+        <p:txBody>
+          <a:bodyPr/>
+          <a:lstStyle/>
+          <a:p>
+            <a:r>
+              <a:rPr lang="en-IN"/>
+              <a:t>1</a:t>
+            </a:r>
+            <a:endParaRPr lang="en-IN" dirty="0"/>
+          </a:p>
+        </p:txBody>
+      </p:sp>
+      <p:pic>
+        <p:nvPicPr>
+          <p:cNvPr id="2" name="Picture 1">
+            <a:extLst>
+              <a:ext uri="{FF2B5EF4-FFF2-40B4-BE49-F238E27FC236}">
+                <a16:creationId xmlns:a16="http://schemas.microsoft.com/office/drawing/2014/main" id="{8A526D1E-B3CD-CD44-A9B2-DAEDD2429EA3}"/>
+              </a:ext>
+            </a:extLst>
+          </p:cNvPr>
+          <p:cNvPicPr>
+            <a:picLocks noChangeAspect="1"/>
+          </p:cNvPicPr>
+          <p:nvPr/>
+        </p:nvPicPr>
+        <p:blipFill>
+          <a:blip r:embed="rId2"/>
+          <a:stretch>
+            <a:fillRect/>
+          </a:stretch>
+        </p:blipFill>
+        <p:spPr>
+          <a:xfrm>
+            <a:off x="219456" y="1241689"/>
+            <a:ext cx="4427105" cy="2740955"/>
+          </a:xfrm>
+          <a:prstGeom prst="rect">
+            <a:avLst/>
+          </a:prstGeom>
+        </p:spPr>
+      </p:pic>
+      <p:pic>
+        <p:nvPicPr>
+          <p:cNvPr id="4" name="Picture 3">
+            <a:extLst>
+              <a:ext uri="{FF2B5EF4-FFF2-40B4-BE49-F238E27FC236}">
+                <a16:creationId xmlns:a16="http://schemas.microsoft.com/office/drawing/2014/main" id="{01B12253-69BE-B54C-B3E0-8E0FA04813C4}"/>
+              </a:ext>
+            </a:extLst>
+          </p:cNvPr>
+          <p:cNvPicPr>
+            <a:picLocks noChangeAspect="1"/>
+          </p:cNvPicPr>
+          <p:nvPr/>
+        </p:nvPicPr>
+        <p:blipFill>
+          <a:blip r:embed="rId3"/>
+          <a:stretch>
+            <a:fillRect/>
+          </a:stretch>
+        </p:blipFill>
+        <p:spPr>
+          <a:xfrm>
+            <a:off x="323108" y="4100637"/>
+            <a:ext cx="3956801" cy="2433205"/>
+          </a:xfrm>
+          <a:prstGeom prst="rect">
+            <a:avLst/>
+          </a:prstGeom>
+        </p:spPr>
+      </p:pic>
+      <p:pic>
+        <p:nvPicPr>
+          <p:cNvPr id="5" name="Picture 4">
+            <a:extLst>
+              <a:ext uri="{FF2B5EF4-FFF2-40B4-BE49-F238E27FC236}">
+                <a16:creationId xmlns:a16="http://schemas.microsoft.com/office/drawing/2014/main" id="{840C33A5-D631-7140-BFDC-292759673245}"/>
+              </a:ext>
+            </a:extLst>
+          </p:cNvPr>
+          <p:cNvPicPr>
+            <a:picLocks noChangeAspect="1"/>
+          </p:cNvPicPr>
+          <p:nvPr/>
+        </p:nvPicPr>
+        <p:blipFill>
+          <a:blip r:embed="rId4"/>
+          <a:stretch>
+            <a:fillRect/>
+          </a:stretch>
+        </p:blipFill>
+        <p:spPr>
+          <a:xfrm>
+            <a:off x="4279909" y="4139376"/>
+            <a:ext cx="4115764" cy="2318327"/>
+          </a:xfrm>
+          <a:prstGeom prst="rect">
+            <a:avLst/>
+          </a:prstGeom>
+        </p:spPr>
+      </p:pic>
+      <p:pic>
+        <p:nvPicPr>
+          <p:cNvPr id="6" name="Picture 5">
+            <a:extLst>
+              <a:ext uri="{FF2B5EF4-FFF2-40B4-BE49-F238E27FC236}">
+                <a16:creationId xmlns:a16="http://schemas.microsoft.com/office/drawing/2014/main" id="{EEBA05BA-ED8B-0E42-8E21-97A12A552710}"/>
+              </a:ext>
+            </a:extLst>
+          </p:cNvPr>
+          <p:cNvPicPr>
+            <a:picLocks noChangeAspect="1"/>
+          </p:cNvPicPr>
+          <p:nvPr/>
+        </p:nvPicPr>
+        <p:blipFill>
+          <a:blip r:embed="rId5"/>
+          <a:stretch>
+            <a:fillRect/>
+          </a:stretch>
+        </p:blipFill>
+        <p:spPr>
+          <a:xfrm>
+            <a:off x="4458182" y="1241688"/>
+            <a:ext cx="3367656" cy="2740955"/>
+          </a:xfrm>
+          <a:prstGeom prst="rect">
+            <a:avLst/>
+          </a:prstGeom>
+        </p:spPr>
+      </p:pic>
+      <p:pic>
+        <p:nvPicPr>
+          <p:cNvPr id="7" name="Picture 6">
+            <a:extLst>
+              <a:ext uri="{FF2B5EF4-FFF2-40B4-BE49-F238E27FC236}">
+                <a16:creationId xmlns:a16="http://schemas.microsoft.com/office/drawing/2014/main" id="{E20FD57B-2ABA-AD47-9CE5-B4E14D65CE0A}"/>
+              </a:ext>
+            </a:extLst>
+          </p:cNvPr>
+          <p:cNvPicPr>
+            <a:picLocks noChangeAspect="1"/>
+          </p:cNvPicPr>
+          <p:nvPr/>
+        </p:nvPicPr>
+        <p:blipFill>
+          <a:blip r:embed="rId6"/>
+          <a:stretch>
+            <a:fillRect/>
+          </a:stretch>
+        </p:blipFill>
+        <p:spPr>
+          <a:xfrm>
+            <a:off x="7749080" y="1165549"/>
+            <a:ext cx="4528057" cy="2560950"/>
+          </a:xfrm>
+          <a:prstGeom prst="rect">
+            <a:avLst/>
+          </a:prstGeom>
+        </p:spPr>
+      </p:pic>
+      <p:pic>
+        <p:nvPicPr>
+          <p:cNvPr id="8" name="Picture 7">
+            <a:extLst>
+              <a:ext uri="{FF2B5EF4-FFF2-40B4-BE49-F238E27FC236}">
+                <a16:creationId xmlns:a16="http://schemas.microsoft.com/office/drawing/2014/main" id="{F05E706D-955D-0C45-9F5A-60FA0F3E88C0}"/>
+              </a:ext>
+            </a:extLst>
+          </p:cNvPr>
+          <p:cNvPicPr>
+            <a:picLocks noChangeAspect="1"/>
+          </p:cNvPicPr>
+          <p:nvPr/>
+        </p:nvPicPr>
+        <p:blipFill>
+          <a:blip r:embed="rId7"/>
+          <a:stretch>
+            <a:fillRect/>
+          </a:stretch>
+        </p:blipFill>
+        <p:spPr>
+          <a:xfrm>
+            <a:off x="8507218" y="3726499"/>
+            <a:ext cx="3780229" cy="3102353"/>
+          </a:xfrm>
+          <a:prstGeom prst="rect">
+            <a:avLst/>
+          </a:prstGeom>
+        </p:spPr>
+      </p:pic>
+    </p:spTree>
+    <p:extLst>
+      <p:ext uri="{BB962C8B-B14F-4D97-AF65-F5344CB8AC3E}">
+        <p14:creationId xmlns:p14="http://schemas.microsoft.com/office/powerpoint/2010/main" val="4268625684"/>
+      </p:ext>
+    </p:extLst>
+  </p:cSld>
+  <p:clrMapOvr>
+    <a:masterClrMapping/>
+  </p:clrMapOvr>
+</p:sld>
+</file>
+
+<file path=ppt/slides/slide9.xml><?xml version="1.0" encoding="utf-8"?>
 <p:sld xmlns:a="http://schemas.openxmlformats.org/drawingml/2006/main" xmlns:r="http://schemas.openxmlformats.org/officeDocument/2006/relationships" xmlns:p="http://schemas.openxmlformats.org/presentationml/2006/main">
   <p:cSld>
     <p:spTree>
